--- a/WebRTC with.pptx
+++ b/WebRTC with.pptx
@@ -5810,7 +5810,7 @@
           <a:lstStyle/>
           <a:p>
             <a:r>
-              <a:rPr lang="pl-PL">
+              <a:rPr lang="pl-PL" dirty="0">
                 <a:solidFill>
                   <a:schemeClr val="tx1"/>
                 </a:solidFill>
